--- a/fig-proposal/seq-ccdfg.pptx
+++ b/fig-proposal/seq-ccdfg.pptx
@@ -7,7 +7,7 @@
   <p:sldIdLst>
     <p:sldId id="256" r:id="rId2"/>
   </p:sldIdLst>
-  <p:sldSz cx="4114800" cy="4846638"/>
+  <p:sldSz cx="4114800" cy="5121275"/>
   <p:notesSz cx="6858000" cy="9144000"/>
   <p:defaultTextStyle>
     <a:defPPr>
@@ -104,6 +104,22 @@
       </a:defRPr>
     </a:lvl9pPr>
   </p:defaultTextStyle>
+  <p:extLst>
+    <p:ext uri="{EFAFB233-063F-42B5-8137-9DF3F51BA10A}">
+      <p15:sldGuideLst xmlns:p15="http://schemas.microsoft.com/office/powerpoint/2012/main">
+        <p15:guide id="1" orient="horz" pos="1614" userDrawn="1">
+          <p15:clr>
+            <a:srgbClr val="A4A3A4"/>
+          </p15:clr>
+        </p15:guide>
+        <p15:guide id="2" pos="1297" userDrawn="1">
+          <p15:clr>
+            <a:srgbClr val="A4A3A4"/>
+          </p15:clr>
+        </p15:guide>
+      </p15:sldGuideLst>
+    </p:ext>
+  </p:extLst>
 </p:presentation>
 </file>
 
@@ -136,8 +152,8 @@
         </p:nvSpPr>
         <p:spPr>
           <a:xfrm>
-            <a:off x="308610" y="1505600"/>
-            <a:ext cx="3497580" cy="1038885"/>
+            <a:off x="308610" y="1590916"/>
+            <a:ext cx="3497580" cy="1097754"/>
           </a:xfrm>
         </p:spPr>
         <p:txBody>
@@ -164,8 +180,8 @@
         </p:nvSpPr>
         <p:spPr>
           <a:xfrm>
-            <a:off x="617222" y="2746435"/>
-            <a:ext cx="2880360" cy="1238584"/>
+            <a:off x="617222" y="2902063"/>
+            <a:ext cx="2880360" cy="1308769"/>
           </a:xfrm>
         </p:spPr>
         <p:txBody>
@@ -289,7 +305,7 @@
             <a:fld id="{F2C45362-1DB8-4C11-B90E-4944D7C6BD56}" type="datetimeFigureOut">
               <a:rPr lang="en-US" smtClean="0"/>
               <a:pPr/>
-              <a:t>5/26/2014</a:t>
+              <a:t>10/6/2016</a:t>
             </a:fld>
             <a:endParaRPr lang="en-US"/>
           </a:p>
@@ -456,7 +472,7 @@
             <a:fld id="{F2C45362-1DB8-4C11-B90E-4944D7C6BD56}" type="datetimeFigureOut">
               <a:rPr lang="en-US" smtClean="0"/>
               <a:pPr/>
-              <a:t>5/26/2014</a:t>
+              <a:t>10/6/2016</a:t>
             </a:fld>
             <a:endParaRPr lang="en-US"/>
           </a:p>
@@ -542,8 +558,8 @@
         </p:nvSpPr>
         <p:spPr>
           <a:xfrm>
-            <a:off x="1790227" y="180633"/>
-            <a:ext cx="555068" cy="3860483"/>
+            <a:off x="1790227" y="190869"/>
+            <a:ext cx="555068" cy="4079239"/>
           </a:xfrm>
         </p:spPr>
         <p:txBody>
@@ -570,8 +586,8 @@
         </p:nvSpPr>
         <p:spPr>
           <a:xfrm>
-            <a:off x="123593" y="180633"/>
-            <a:ext cx="1598057" cy="3860483"/>
+            <a:off x="123594" y="190869"/>
+            <a:ext cx="1598057" cy="4079239"/>
           </a:xfrm>
         </p:spPr>
         <p:txBody>
@@ -633,7 +649,7 @@
             <a:fld id="{F2C45362-1DB8-4C11-B90E-4944D7C6BD56}" type="datetimeFigureOut">
               <a:rPr lang="en-US" smtClean="0"/>
               <a:pPr/>
-              <a:t>5/26/2014</a:t>
+              <a:t>10/6/2016</a:t>
             </a:fld>
             <a:endParaRPr lang="en-US"/>
           </a:p>
@@ -800,7 +816,7 @@
             <a:fld id="{F2C45362-1DB8-4C11-B90E-4944D7C6BD56}" type="datetimeFigureOut">
               <a:rPr lang="en-US" smtClean="0"/>
               <a:pPr/>
-              <a:t>5/26/2014</a:t>
+              <a:t>10/6/2016</a:t>
             </a:fld>
             <a:endParaRPr lang="en-US"/>
           </a:p>
@@ -886,8 +902,8 @@
         </p:nvSpPr>
         <p:spPr>
           <a:xfrm>
-            <a:off x="325042" y="3114414"/>
-            <a:ext cx="3497580" cy="962596"/>
+            <a:off x="325042" y="3290894"/>
+            <a:ext cx="3497580" cy="1017142"/>
           </a:xfrm>
         </p:spPr>
         <p:txBody>
@@ -918,8 +934,8 @@
         </p:nvSpPr>
         <p:spPr>
           <a:xfrm>
-            <a:off x="325042" y="2054219"/>
-            <a:ext cx="3497580" cy="1060202"/>
+            <a:off x="325042" y="2170622"/>
+            <a:ext cx="3497580" cy="1120279"/>
           </a:xfrm>
         </p:spPr>
         <p:txBody>
@@ -1043,7 +1059,7 @@
             <a:fld id="{F2C45362-1DB8-4C11-B90E-4944D7C6BD56}" type="datetimeFigureOut">
               <a:rPr lang="en-US" smtClean="0"/>
               <a:pPr/>
-              <a:t>5/26/2014</a:t>
+              <a:t>10/6/2016</a:t>
             </a:fld>
             <a:endParaRPr lang="en-US"/>
           </a:p>
@@ -1152,8 +1168,8 @@
         </p:nvSpPr>
         <p:spPr>
           <a:xfrm>
-            <a:off x="123588" y="1055722"/>
-            <a:ext cx="1076562" cy="2985393"/>
+            <a:off x="123588" y="1115545"/>
+            <a:ext cx="1076562" cy="3154562"/>
           </a:xfrm>
         </p:spPr>
         <p:txBody>
@@ -1237,8 +1253,8 @@
         </p:nvSpPr>
         <p:spPr>
           <a:xfrm>
-            <a:off x="1268738" y="1055722"/>
-            <a:ext cx="1076563" cy="2985393"/>
+            <a:off x="1268739" y="1115545"/>
+            <a:ext cx="1076563" cy="3154562"/>
           </a:xfrm>
         </p:spPr>
         <p:txBody>
@@ -1328,7 +1344,7 @@
             <a:fld id="{F2C45362-1DB8-4C11-B90E-4944D7C6BD56}" type="datetimeFigureOut">
               <a:rPr lang="en-US" smtClean="0"/>
               <a:pPr/>
-              <a:t>5/26/2014</a:t>
+              <a:t>10/6/2016</a:t>
             </a:fld>
             <a:endParaRPr lang="en-US"/>
           </a:p>
@@ -1414,8 +1430,8 @@
         </p:nvSpPr>
         <p:spPr>
           <a:xfrm>
-            <a:off x="205740" y="194097"/>
-            <a:ext cx="3703320" cy="807773"/>
+            <a:off x="205740" y="205096"/>
+            <a:ext cx="3703320" cy="853546"/>
           </a:xfrm>
         </p:spPr>
         <p:txBody>
@@ -1446,8 +1462,8 @@
         </p:nvSpPr>
         <p:spPr>
           <a:xfrm>
-            <a:off x="205748" y="1084890"/>
-            <a:ext cx="1818083" cy="452127"/>
+            <a:off x="205749" y="1146366"/>
+            <a:ext cx="1818083" cy="477747"/>
           </a:xfrm>
         </p:spPr>
         <p:txBody>
@@ -1511,8 +1527,8 @@
         </p:nvSpPr>
         <p:spPr>
           <a:xfrm>
-            <a:off x="205748" y="1537016"/>
-            <a:ext cx="1818083" cy="2792427"/>
+            <a:off x="205749" y="1624112"/>
+            <a:ext cx="1818083" cy="2950661"/>
           </a:xfrm>
         </p:spPr>
         <p:txBody>
@@ -1596,8 +1612,8 @@
         </p:nvSpPr>
         <p:spPr>
           <a:xfrm>
-            <a:off x="2090263" y="1084890"/>
-            <a:ext cx="1818800" cy="452127"/>
+            <a:off x="2090263" y="1146366"/>
+            <a:ext cx="1818800" cy="477747"/>
           </a:xfrm>
         </p:spPr>
         <p:txBody>
@@ -1661,8 +1677,8 @@
         </p:nvSpPr>
         <p:spPr>
           <a:xfrm>
-            <a:off x="2090263" y="1537016"/>
-            <a:ext cx="1818800" cy="2792427"/>
+            <a:off x="2090263" y="1624112"/>
+            <a:ext cx="1818800" cy="2950661"/>
           </a:xfrm>
         </p:spPr>
         <p:txBody>
@@ -1752,7 +1768,7 @@
             <a:fld id="{F2C45362-1DB8-4C11-B90E-4944D7C6BD56}" type="datetimeFigureOut">
               <a:rPr lang="en-US" smtClean="0"/>
               <a:pPr/>
-              <a:t>5/26/2014</a:t>
+              <a:t>10/6/2016</a:t>
             </a:fld>
             <a:endParaRPr lang="en-US"/>
           </a:p>
@@ -1867,7 +1883,7 @@
             <a:fld id="{F2C45362-1DB8-4C11-B90E-4944D7C6BD56}" type="datetimeFigureOut">
               <a:rPr lang="en-US" smtClean="0"/>
               <a:pPr/>
-              <a:t>5/26/2014</a:t>
+              <a:t>10/6/2016</a:t>
             </a:fld>
             <a:endParaRPr lang="en-US"/>
           </a:p>
@@ -1959,7 +1975,7 @@
             <a:fld id="{F2C45362-1DB8-4C11-B90E-4944D7C6BD56}" type="datetimeFigureOut">
               <a:rPr lang="en-US" smtClean="0"/>
               <a:pPr/>
-              <a:t>5/26/2014</a:t>
+              <a:t>10/6/2016</a:t>
             </a:fld>
             <a:endParaRPr lang="en-US"/>
           </a:p>
@@ -2045,8 +2061,8 @@
         </p:nvSpPr>
         <p:spPr>
           <a:xfrm>
-            <a:off x="205740" y="192968"/>
-            <a:ext cx="1353742" cy="821237"/>
+            <a:off x="205740" y="203903"/>
+            <a:ext cx="1353742" cy="867773"/>
           </a:xfrm>
         </p:spPr>
         <p:txBody>
@@ -2077,8 +2093,8 @@
         </p:nvSpPr>
         <p:spPr>
           <a:xfrm>
-            <a:off x="1608776" y="192969"/>
-            <a:ext cx="2300288" cy="4136472"/>
+            <a:off x="1608776" y="203904"/>
+            <a:ext cx="2300288" cy="4370867"/>
           </a:xfrm>
         </p:spPr>
         <p:txBody>
@@ -2162,8 +2178,8 @@
         </p:nvSpPr>
         <p:spPr>
           <a:xfrm>
-            <a:off x="205740" y="1014209"/>
-            <a:ext cx="1353742" cy="3315234"/>
+            <a:off x="205740" y="1071680"/>
+            <a:ext cx="1353742" cy="3503093"/>
           </a:xfrm>
         </p:spPr>
         <p:txBody>
@@ -2233,7 +2249,7 @@
             <a:fld id="{F2C45362-1DB8-4C11-B90E-4944D7C6BD56}" type="datetimeFigureOut">
               <a:rPr lang="en-US" smtClean="0"/>
               <a:pPr/>
-              <a:t>5/26/2014</a:t>
+              <a:t>10/6/2016</a:t>
             </a:fld>
             <a:endParaRPr lang="en-US"/>
           </a:p>
@@ -2319,8 +2335,8 @@
         </p:nvSpPr>
         <p:spPr>
           <a:xfrm>
-            <a:off x="806531" y="3392650"/>
-            <a:ext cx="2468880" cy="400522"/>
+            <a:off x="806531" y="3584896"/>
+            <a:ext cx="2468880" cy="423218"/>
           </a:xfrm>
         </p:spPr>
         <p:txBody>
@@ -2351,8 +2367,8 @@
         </p:nvSpPr>
         <p:spPr>
           <a:xfrm>
-            <a:off x="806531" y="433062"/>
-            <a:ext cx="2468880" cy="2907983"/>
+            <a:off x="806531" y="457602"/>
+            <a:ext cx="2468880" cy="3072765"/>
           </a:xfrm>
         </p:spPr>
         <p:txBody>
@@ -2412,8 +2428,8 @@
         </p:nvSpPr>
         <p:spPr>
           <a:xfrm>
-            <a:off x="806531" y="3793167"/>
-            <a:ext cx="2468880" cy="568808"/>
+            <a:off x="806531" y="4008108"/>
+            <a:ext cx="2468880" cy="601040"/>
           </a:xfrm>
         </p:spPr>
         <p:txBody>
@@ -2483,7 +2499,7 @@
             <a:fld id="{F2C45362-1DB8-4C11-B90E-4944D7C6BD56}" type="datetimeFigureOut">
               <a:rPr lang="en-US" smtClean="0"/>
               <a:pPr/>
-              <a:t>5/26/2014</a:t>
+              <a:t>10/6/2016</a:t>
             </a:fld>
             <a:endParaRPr lang="en-US"/>
           </a:p>
@@ -2574,8 +2590,8 @@
         </p:nvSpPr>
         <p:spPr>
           <a:xfrm>
-            <a:off x="205740" y="194097"/>
-            <a:ext cx="3703320" cy="807773"/>
+            <a:off x="205740" y="205096"/>
+            <a:ext cx="3703320" cy="853546"/>
           </a:xfrm>
           <a:prstGeom prst="rect">
             <a:avLst/>
@@ -2607,8 +2623,8 @@
         </p:nvSpPr>
         <p:spPr>
           <a:xfrm>
-            <a:off x="205740" y="1130888"/>
-            <a:ext cx="3703320" cy="3198556"/>
+            <a:off x="205740" y="1194970"/>
+            <a:ext cx="3703320" cy="3379804"/>
           </a:xfrm>
           <a:prstGeom prst="rect">
             <a:avLst/>
@@ -2669,8 +2685,8 @@
         </p:nvSpPr>
         <p:spPr>
           <a:xfrm>
-            <a:off x="205740" y="4492123"/>
-            <a:ext cx="960120" cy="258039"/>
+            <a:off x="205740" y="4746672"/>
+            <a:ext cx="960120" cy="272661"/>
           </a:xfrm>
           <a:prstGeom prst="rect">
             <a:avLst/>
@@ -2693,7 +2709,7 @@
             <a:fld id="{F2C45362-1DB8-4C11-B90E-4944D7C6BD56}" type="datetimeFigureOut">
               <a:rPr lang="en-US" smtClean="0"/>
               <a:pPr/>
-              <a:t>5/26/2014</a:t>
+              <a:t>10/6/2016</a:t>
             </a:fld>
             <a:endParaRPr lang="en-US"/>
           </a:p>
@@ -2711,8 +2727,8 @@
         </p:nvSpPr>
         <p:spPr>
           <a:xfrm>
-            <a:off x="1405892" y="4492123"/>
-            <a:ext cx="1303020" cy="258039"/>
+            <a:off x="1405892" y="4746672"/>
+            <a:ext cx="1303020" cy="272661"/>
           </a:xfrm>
           <a:prstGeom prst="rect">
             <a:avLst/>
@@ -2748,8 +2764,8 @@
         </p:nvSpPr>
         <p:spPr>
           <a:xfrm>
-            <a:off x="2948940" y="4492123"/>
-            <a:ext cx="960120" cy="258039"/>
+            <a:off x="2948940" y="4746672"/>
+            <a:ext cx="960120" cy="272661"/>
           </a:xfrm>
           <a:prstGeom prst="rect">
             <a:avLst/>
@@ -3064,39 +3080,6 @@
           <a:chExt cx="0" cy="0"/>
         </a:xfrm>
       </p:grpSpPr>
-      <p:cxnSp>
-        <p:nvCxnSpPr>
-          <p:cNvPr id="25" name="Straight Arrow Connector 24"/>
-          <p:cNvCxnSpPr/>
-          <p:nvPr/>
-        </p:nvCxnSpPr>
-        <p:spPr>
-          <a:xfrm rot="10800000" flipV="1">
-            <a:off x="5556236" y="4003572"/>
-            <a:ext cx="805806" cy="595777"/>
-          </a:xfrm>
-          <a:prstGeom prst="straightConnector1">
-            <a:avLst/>
-          </a:prstGeom>
-          <a:ln w="19050">
-            <a:tailEnd type="arrow"/>
-          </a:ln>
-        </p:spPr>
-        <p:style>
-          <a:lnRef idx="1">
-            <a:schemeClr val="accent1"/>
-          </a:lnRef>
-          <a:fillRef idx="0">
-            <a:schemeClr val="accent1"/>
-          </a:fillRef>
-          <a:effectRef idx="0">
-            <a:schemeClr val="accent1"/>
-          </a:effectRef>
-          <a:fontRef idx="minor">
-            <a:schemeClr val="tx1"/>
-          </a:fontRef>
-        </p:style>
-      </p:cxnSp>
       <p:grpSp>
         <p:nvGrpSpPr>
           <p:cNvPr id="19" name="Group 18"/>
@@ -3105,10 +3088,10 @@
         </p:nvGrpSpPr>
         <p:grpSpPr>
           <a:xfrm>
-            <a:off x="349138" y="-55064"/>
-            <a:ext cx="3414767" cy="4311180"/>
+            <a:off x="349139" y="50060"/>
+            <a:ext cx="3414767" cy="4329919"/>
             <a:chOff x="57069" y="-53128"/>
-            <a:chExt cx="3706833" cy="4361279"/>
+            <a:chExt cx="3706833" cy="4380236"/>
           </a:xfrm>
         </p:grpSpPr>
         <p:sp>
@@ -3122,7 +3105,7 @@
           <p:spPr bwMode="auto">
             <a:xfrm>
               <a:off x="1649914" y="-53128"/>
-              <a:ext cx="799586" cy="361047"/>
+              <a:ext cx="799586" cy="380004"/>
             </a:xfrm>
             <a:prstGeom prst="rect">
               <a:avLst/>
@@ -3142,16 +3125,12 @@
             <a:lstStyle/>
             <a:p>
               <a:r>
-                <a:rPr lang="en-US" sz="2200" dirty="0" smtClean="0">
+                <a:rPr lang="en-US" sz="2200" dirty="0">
                   <a:latin typeface="Times New Roman" pitchFamily="18" charset="0"/>
                   <a:cs typeface="Times New Roman" pitchFamily="18" charset="0"/>
                 </a:rPr>
                 <a:t>Entry</a:t>
               </a:r>
-              <a:endParaRPr lang="en-US" sz="2200" dirty="0">
-                <a:latin typeface="Times New Roman" pitchFamily="18" charset="0"/>
-                <a:cs typeface="Times New Roman" pitchFamily="18" charset="0"/>
-              </a:endParaRPr>
             </a:p>
           </p:txBody>
         </p:sp>
@@ -3166,7 +3145,7 @@
           <p:spPr bwMode="auto">
             <a:xfrm>
               <a:off x="1834046" y="3947104"/>
-              <a:ext cx="702341" cy="361047"/>
+              <a:ext cx="702341" cy="380004"/>
             </a:xfrm>
             <a:prstGeom prst="rect">
               <a:avLst/>
@@ -3186,16 +3165,12 @@
             <a:lstStyle/>
             <a:p>
               <a:r>
-                <a:rPr lang="en-US" sz="2200" i="1" dirty="0" smtClean="0">
+                <a:rPr lang="en-US" sz="2200" dirty="0">
                   <a:latin typeface="Times New Roman" pitchFamily="18" charset="0"/>
                   <a:cs typeface="Times New Roman" pitchFamily="18" charset="0"/>
                 </a:rPr>
                 <a:t>Exit</a:t>
               </a:r>
-              <a:endParaRPr lang="en-US" sz="2200" i="1" dirty="0">
-                <a:latin typeface="Times New Roman" pitchFamily="18" charset="0"/>
-                <a:cs typeface="Times New Roman" pitchFamily="18" charset="0"/>
-              </a:endParaRPr>
             </a:p>
           </p:txBody>
         </p:sp>
@@ -3209,8 +3184,8 @@
           </p:nvSpPr>
           <p:spPr bwMode="auto">
             <a:xfrm>
-              <a:off x="334965" y="753551"/>
-              <a:ext cx="3428937" cy="1337257"/>
+              <a:off x="334965" y="753550"/>
+              <a:ext cx="3428937" cy="1407470"/>
             </a:xfrm>
             <a:prstGeom prst="rect">
               <a:avLst/>
@@ -3232,42 +3207,42 @@
             <a:lstStyle/>
             <a:p>
               <a:r>
-                <a:rPr lang="en-US" sz="2200" dirty="0" smtClean="0">
+                <a:rPr lang="en-US" sz="2200" dirty="0">
                   <a:latin typeface="Times New Roman" pitchFamily="18" charset="0"/>
                   <a:cs typeface="Times New Roman" pitchFamily="18" charset="0"/>
                 </a:rPr>
                 <a:t>  {</a:t>
               </a:r>
               <a:r>
-                <a:rPr lang="en-US" sz="2200" i="1" dirty="0" smtClean="0">
+                <a:rPr lang="en-US" sz="2200" i="1" dirty="0">
                   <a:latin typeface="Times New Roman" pitchFamily="18" charset="0"/>
                   <a:cs typeface="Times New Roman" pitchFamily="18" charset="0"/>
                 </a:rPr>
                 <a:t> a </a:t>
               </a:r>
               <a:r>
-                <a:rPr lang="en-US" sz="2200" dirty="0" smtClean="0">
+                <a:rPr lang="en-US" sz="2200" dirty="0">
                   <a:latin typeface="Times New Roman" pitchFamily="18" charset="0"/>
                   <a:cs typeface="Times New Roman" pitchFamily="18" charset="0"/>
                 </a:rPr>
                 <a:t>:=</a:t>
               </a:r>
               <a:r>
-                <a:rPr lang="en-US" sz="2200" i="1" dirty="0" smtClean="0">
+                <a:rPr lang="en-US" sz="2200" i="1" dirty="0">
                   <a:latin typeface="Times New Roman" pitchFamily="18" charset="0"/>
                   <a:cs typeface="Times New Roman" pitchFamily="18" charset="0"/>
                 </a:rPr>
                 <a:t> </a:t>
               </a:r>
               <a:r>
-                <a:rPr lang="el-GR" sz="2200" i="1" dirty="0" smtClean="0">
+                <a:rPr lang="el-GR" sz="2200" i="1" dirty="0">
                   <a:latin typeface="Times New Roman" pitchFamily="18" charset="0"/>
                   <a:cs typeface="Times New Roman" pitchFamily="18" charset="0"/>
                 </a:rPr>
                 <a:t>ϕ</a:t>
               </a:r>
               <a:r>
-                <a:rPr lang="en-US" sz="2200" i="1" dirty="0" smtClean="0">
+                <a:rPr lang="en-US" sz="2200" i="1" dirty="0">
                   <a:latin typeface="Times New Roman" pitchFamily="18" charset="0"/>
                   <a:cs typeface="Times New Roman" pitchFamily="18" charset="0"/>
                 </a:rPr>
@@ -3278,52 +3253,38 @@
                   <a:latin typeface="Times New Roman" pitchFamily="18" charset="0"/>
                   <a:cs typeface="Times New Roman" pitchFamily="18" charset="0"/>
                 </a:rPr>
+                <a:t>[0,Entry]</a:t>
+              </a:r>
+              <a:r>
+                <a:rPr lang="en-US" sz="2200" i="1" dirty="0">
+                  <a:latin typeface="Times New Roman" pitchFamily="18" charset="0"/>
+                  <a:cs typeface="Times New Roman" pitchFamily="18" charset="0"/>
+                </a:rPr>
+                <a:t> </a:t>
+              </a:r>
+              <a:r>
+                <a:rPr lang="en-US" sz="2200" dirty="0">
+                  <a:latin typeface="Times New Roman" pitchFamily="18" charset="0"/>
+                  <a:cs typeface="Times New Roman" pitchFamily="18" charset="0"/>
+                </a:rPr>
                 <a:t>[</a:t>
               </a:r>
               <a:r>
-                <a:rPr lang="en-US" sz="2200" dirty="0" smtClean="0">
-                  <a:latin typeface="Times New Roman" pitchFamily="18" charset="0"/>
-                  <a:cs typeface="Times New Roman" pitchFamily="18" charset="0"/>
-                </a:rPr>
-                <a:t>0,Entry</a:t>
+                <a:rPr lang="en-US" sz="2200" i="1" dirty="0" err="1">
+                  <a:latin typeface="Times New Roman" pitchFamily="18" charset="0"/>
+                  <a:cs typeface="Times New Roman" pitchFamily="18" charset="0"/>
+                </a:rPr>
+                <a:t>a',</a:t>
+              </a:r>
+              <a:r>
+                <a:rPr lang="en-US" sz="2200" dirty="0" err="1">
+                  <a:latin typeface="Times New Roman" pitchFamily="18" charset="0"/>
+                  <a:cs typeface="Times New Roman" pitchFamily="18" charset="0"/>
+                </a:rPr>
+                <a:t>Z</a:t>
               </a:r>
               <a:r>
                 <a:rPr lang="en-US" sz="2200" dirty="0">
-                  <a:latin typeface="Times New Roman" pitchFamily="18" charset="0"/>
-                  <a:cs typeface="Times New Roman" pitchFamily="18" charset="0"/>
-                </a:rPr>
-                <a:t>]</a:t>
-              </a:r>
-              <a:r>
-                <a:rPr lang="en-US" sz="2200" i="1" dirty="0">
-                  <a:latin typeface="Times New Roman" pitchFamily="18" charset="0"/>
-                  <a:cs typeface="Times New Roman" pitchFamily="18" charset="0"/>
-                </a:rPr>
-                <a:t> </a:t>
-              </a:r>
-              <a:r>
-                <a:rPr lang="en-US" sz="2200" dirty="0" smtClean="0">
-                  <a:latin typeface="Times New Roman" pitchFamily="18" charset="0"/>
-                  <a:cs typeface="Times New Roman" pitchFamily="18" charset="0"/>
-                </a:rPr>
-                <a:t>[</a:t>
-              </a:r>
-              <a:r>
-                <a:rPr lang="en-US" sz="2200" i="1" dirty="0" err="1" smtClean="0">
-                  <a:latin typeface="Times New Roman" pitchFamily="18" charset="0"/>
-                  <a:cs typeface="Times New Roman" pitchFamily="18" charset="0"/>
-                </a:rPr>
-                <a:t>a',</a:t>
-              </a:r>
-              <a:r>
-                <a:rPr lang="en-US" sz="2200" dirty="0" err="1" smtClean="0">
-                  <a:latin typeface="Times New Roman" pitchFamily="18" charset="0"/>
-                  <a:cs typeface="Times New Roman" pitchFamily="18" charset="0"/>
-                </a:rPr>
-                <a:t>Z</a:t>
-              </a:r>
-              <a:r>
-                <a:rPr lang="en-US" sz="2200" dirty="0" smtClean="0">
                   <a:latin typeface="Times New Roman" pitchFamily="18" charset="0"/>
                   <a:cs typeface="Times New Roman" pitchFamily="18" charset="0"/>
                 </a:rPr>
@@ -3332,84 +3293,84 @@
             </a:p>
             <a:p>
               <a:r>
-                <a:rPr lang="en-US" sz="2200" i="1" dirty="0" smtClean="0">
+                <a:rPr lang="en-US" sz="2200" i="1" dirty="0">
                   <a:latin typeface="Times New Roman" pitchFamily="18" charset="0"/>
                   <a:cs typeface="Times New Roman" pitchFamily="18" charset="0"/>
                 </a:rPr>
                 <a:t>      </a:t>
               </a:r>
               <a:r>
-                <a:rPr lang="en-US" sz="2200" i="1" dirty="0" err="1" smtClean="0">
+                <a:rPr lang="en-US" sz="2200" i="1" dirty="0" err="1">
                   <a:latin typeface="Times New Roman" pitchFamily="18" charset="0"/>
                   <a:cs typeface="Times New Roman" pitchFamily="18" charset="0"/>
                 </a:rPr>
                 <a:t>i</a:t>
               </a:r>
               <a:r>
-                <a:rPr lang="en-US" sz="2200" i="1" dirty="0" smtClean="0">
+                <a:rPr lang="en-US" sz="2200" i="1" dirty="0">
                   <a:latin typeface="Times New Roman" pitchFamily="18" charset="0"/>
                   <a:cs typeface="Times New Roman" pitchFamily="18" charset="0"/>
                 </a:rPr>
                 <a:t> </a:t>
               </a:r>
               <a:r>
-                <a:rPr lang="en-US" sz="2200" dirty="0" smtClean="0">
+                <a:rPr lang="en-US" sz="2200" dirty="0">
                   <a:latin typeface="Times New Roman" pitchFamily="18" charset="0"/>
                   <a:cs typeface="Times New Roman" pitchFamily="18" charset="0"/>
                 </a:rPr>
                 <a:t>:= </a:t>
               </a:r>
               <a:r>
-                <a:rPr lang="el-GR" sz="2200" i="1" dirty="0" smtClean="0">
+                <a:rPr lang="el-GR" sz="2200" i="1" dirty="0">
                   <a:latin typeface="Times New Roman" pitchFamily="18" charset="0"/>
                   <a:cs typeface="Times New Roman" pitchFamily="18" charset="0"/>
                 </a:rPr>
                 <a:t>ϕ</a:t>
               </a:r>
               <a:r>
-                <a:rPr lang="en-US" sz="2200" i="1" dirty="0" smtClean="0">
+                <a:rPr lang="en-US" sz="2200" i="1" dirty="0">
                   <a:latin typeface="Times New Roman" pitchFamily="18" charset="0"/>
                   <a:cs typeface="Times New Roman" pitchFamily="18" charset="0"/>
                 </a:rPr>
                 <a:t> </a:t>
               </a:r>
               <a:r>
-                <a:rPr lang="en-US" sz="2200" dirty="0" smtClean="0">
+                <a:rPr lang="en-US" sz="2200" dirty="0">
                   <a:latin typeface="Times New Roman" pitchFamily="18" charset="0"/>
                   <a:cs typeface="Times New Roman" pitchFamily="18" charset="0"/>
                 </a:rPr>
                 <a:t>[0</a:t>
               </a:r>
               <a:r>
-                <a:rPr lang="en-US" sz="2200" i="1" dirty="0" smtClean="0">
+                <a:rPr lang="en-US" sz="2200" i="1" dirty="0">
                   <a:latin typeface="Times New Roman" pitchFamily="18" charset="0"/>
                   <a:cs typeface="Times New Roman" pitchFamily="18" charset="0"/>
                 </a:rPr>
                 <a:t>,</a:t>
               </a:r>
               <a:r>
-                <a:rPr lang="en-US" sz="2200" dirty="0" smtClean="0">
+                <a:rPr lang="en-US" sz="2200" dirty="0">
                   <a:latin typeface="Times New Roman" pitchFamily="18" charset="0"/>
                   <a:cs typeface="Times New Roman" pitchFamily="18" charset="0"/>
                 </a:rPr>
                 <a:t>Entry] [</a:t>
               </a:r>
               <a:r>
-                <a:rPr lang="en-US" sz="2200" i="1" dirty="0" err="1" smtClean="0">
+                <a:rPr lang="en-US" sz="2200" i="1" dirty="0" err="1">
                   <a:latin typeface="Times New Roman" pitchFamily="18" charset="0"/>
                   <a:cs typeface="Times New Roman" pitchFamily="18" charset="0"/>
                 </a:rPr>
                 <a:t>i',</a:t>
               </a:r>
               <a:r>
-                <a:rPr lang="en-US" sz="2200" dirty="0" err="1" smtClean="0">
+                <a:rPr lang="en-US" sz="2200" dirty="0" err="1">
                   <a:latin typeface="Times New Roman" pitchFamily="18" charset="0"/>
                   <a:cs typeface="Times New Roman" pitchFamily="18" charset="0"/>
                 </a:rPr>
                 <a:t>Z</a:t>
               </a:r>
               <a:r>
-                <a:rPr lang="en-US" sz="2200" dirty="0" smtClean="0">
+                <a:rPr lang="en-US" sz="2200" dirty="0">
                   <a:latin typeface="Times New Roman" pitchFamily="18" charset="0"/>
                   <a:cs typeface="Times New Roman" pitchFamily="18" charset="0"/>
                 </a:rPr>
@@ -3419,96 +3380,106 @@
             <a:p>
               <a:pPr algn="ctr"/>
               <a:r>
-                <a:rPr lang="en-US" sz="2200" b="1" i="1" dirty="0" smtClean="0">
+                <a:rPr lang="en-US" sz="2200" b="1" i="1" dirty="0">
                   <a:latin typeface="Times New Roman" pitchFamily="18" charset="0"/>
                   <a:cs typeface="Times New Roman" pitchFamily="18" charset="0"/>
                 </a:rPr>
                 <a:t>if</a:t>
               </a:r>
               <a:r>
-                <a:rPr lang="en-US" sz="2200" i="1" dirty="0" smtClean="0">
+                <a:rPr lang="en-US" sz="2200" i="1" dirty="0">
                   <a:latin typeface="Times New Roman" pitchFamily="18" charset="0"/>
                   <a:cs typeface="Times New Roman" pitchFamily="18" charset="0"/>
                 </a:rPr>
                 <a:t> </a:t>
               </a:r>
               <a:r>
-                <a:rPr lang="en-US" sz="2200" dirty="0" smtClean="0">
+                <a:rPr lang="en-US" sz="2200" dirty="0">
                   <a:latin typeface="Times New Roman" pitchFamily="18" charset="0"/>
                   <a:cs typeface="Times New Roman" pitchFamily="18" charset="0"/>
                 </a:rPr>
                 <a:t>[not (</a:t>
               </a:r>
               <a:r>
-                <a:rPr lang="en-US" sz="2200" i="1" dirty="0" smtClean="0">
+                <a:rPr lang="en-US" sz="2200" i="1" dirty="0">
                   <a:latin typeface="Times New Roman" pitchFamily="18" charset="0"/>
                   <a:cs typeface="Times New Roman" pitchFamily="18" charset="0"/>
                 </a:rPr>
                 <a:t>a </a:t>
               </a:r>
               <a:r>
-                <a:rPr lang="en-US" sz="2200" dirty="0" smtClean="0">
+                <a:rPr lang="en-US" sz="2200" dirty="0">
                   <a:latin typeface="Times New Roman" pitchFamily="18" charset="0"/>
                   <a:cs typeface="Times New Roman" pitchFamily="18" charset="0"/>
                 </a:rPr>
                 <a:t>&lt; N)] </a:t>
               </a:r>
               <a:r>
-                <a:rPr lang="en-US" sz="2200" b="1" i="1" dirty="0" err="1" smtClean="0">
+                <a:rPr lang="en-US" sz="2200" b="1" i="1" dirty="0" err="1">
                   <a:latin typeface="Times New Roman" pitchFamily="18" charset="0"/>
                   <a:cs typeface="Times New Roman" pitchFamily="18" charset="0"/>
                 </a:rPr>
                 <a:t>goto</a:t>
               </a:r>
               <a:r>
-                <a:rPr lang="en-US" sz="2200" i="1" dirty="0" smtClean="0">
-                  <a:latin typeface="Times New Roman" pitchFamily="18" charset="0"/>
-                  <a:cs typeface="Times New Roman" pitchFamily="18" charset="0"/>
-                </a:rPr>
-                <a:t> Exit </a:t>
+                <a:rPr lang="en-US" sz="2200" i="1" dirty="0">
+                  <a:latin typeface="Times New Roman" pitchFamily="18" charset="0"/>
+                  <a:cs typeface="Times New Roman" pitchFamily="18" charset="0"/>
+                </a:rPr>
+                <a:t> </a:t>
+              </a:r>
+              <a:r>
+                <a:rPr lang="en-US" sz="2200" dirty="0">
+                  <a:latin typeface="Times New Roman" pitchFamily="18" charset="0"/>
+                  <a:cs typeface="Times New Roman" pitchFamily="18" charset="0"/>
+                </a:rPr>
+                <a:t>Exit</a:t>
+              </a:r>
+              <a:r>
+                <a:rPr lang="en-US" sz="2200" i="1" dirty="0">
+                  <a:latin typeface="Times New Roman" pitchFamily="18" charset="0"/>
+                  <a:cs typeface="Times New Roman" pitchFamily="18" charset="0"/>
+                </a:rPr>
+                <a:t> </a:t>
               </a:r>
             </a:p>
             <a:p>
               <a:pPr algn="ctr"/>
               <a:r>
-                <a:rPr lang="en-US" sz="2200" i="1" dirty="0" smtClean="0">
+                <a:rPr lang="en-US" sz="2200" i="1" dirty="0">
                   <a:latin typeface="Times New Roman" pitchFamily="18" charset="0"/>
                   <a:cs typeface="Times New Roman" pitchFamily="18" charset="0"/>
                 </a:rPr>
                 <a:t>a'  </a:t>
               </a:r>
               <a:r>
-                <a:rPr lang="en-US" sz="2200" dirty="0" smtClean="0">
+                <a:rPr lang="en-US" sz="2200" dirty="0">
                   <a:latin typeface="Times New Roman" pitchFamily="18" charset="0"/>
                   <a:cs typeface="Times New Roman" pitchFamily="18" charset="0"/>
                 </a:rPr>
                 <a:t>:= </a:t>
               </a:r>
               <a:r>
-                <a:rPr lang="en-US" sz="2200" i="1" dirty="0" smtClean="0">
+                <a:rPr lang="en-US" sz="2200" i="1" dirty="0">
                   <a:latin typeface="Times New Roman" pitchFamily="18" charset="0"/>
                   <a:cs typeface="Times New Roman" pitchFamily="18" charset="0"/>
                 </a:rPr>
                 <a:t>a + </a:t>
               </a:r>
               <a:r>
-                <a:rPr lang="en-US" sz="2200" dirty="0" smtClean="0">
+                <a:rPr lang="en-US" sz="2200" dirty="0">
                   <a:latin typeface="Times New Roman" pitchFamily="18" charset="0"/>
                   <a:cs typeface="Times New Roman" pitchFamily="18" charset="0"/>
                 </a:rPr>
                 <a:t>2</a:t>
               </a:r>
               <a:r>
-                <a:rPr lang="en-US" sz="2200" i="1" dirty="0" smtClean="0">
+                <a:rPr lang="en-US" sz="2200" i="1" dirty="0">
                   <a:latin typeface="Times New Roman" pitchFamily="18" charset="0"/>
                   <a:cs typeface="Times New Roman" pitchFamily="18" charset="0"/>
                 </a:rPr>
                 <a:t> </a:t>
               </a:r>
-              <a:endParaRPr lang="en-US" sz="2200" i="1" dirty="0">
-                <a:latin typeface="Times New Roman" pitchFamily="18" charset="0"/>
-                <a:cs typeface="Times New Roman" pitchFamily="18" charset="0"/>
-              </a:endParaRPr>
             </a:p>
           </p:txBody>
         </p:sp>
@@ -3523,7 +3494,7 @@
           <p:spPr bwMode="auto">
             <a:xfrm>
               <a:off x="336582" y="2586453"/>
-              <a:ext cx="3425705" cy="361047"/>
+              <a:ext cx="3425705" cy="380004"/>
             </a:xfrm>
             <a:prstGeom prst="rect">
               <a:avLst/>
@@ -3546,28 +3517,28 @@
             <a:p>
               <a:pPr algn="ctr"/>
               <a:r>
-                <a:rPr lang="en-US" sz="2200" i="1" dirty="0" smtClean="0">
+                <a:rPr lang="en-US" sz="2200" i="1" dirty="0">
                   <a:latin typeface="Times New Roman" pitchFamily="18" charset="0"/>
                   <a:cs typeface="Times New Roman" pitchFamily="18" charset="0"/>
                 </a:rPr>
                 <a:t>c </a:t>
               </a:r>
               <a:r>
-                <a:rPr lang="en-US" sz="2200" dirty="0" smtClean="0">
+                <a:rPr lang="en-US" sz="2200" dirty="0">
                   <a:latin typeface="Times New Roman" pitchFamily="18" charset="0"/>
                   <a:cs typeface="Times New Roman" pitchFamily="18" charset="0"/>
                 </a:rPr>
                 <a:t>:= </a:t>
               </a:r>
               <a:r>
-                <a:rPr lang="en-US" sz="2200" i="1" dirty="0" err="1" smtClean="0">
+                <a:rPr lang="en-US" sz="2200" i="1" dirty="0" err="1">
                   <a:latin typeface="Times New Roman" pitchFamily="18" charset="0"/>
                   <a:cs typeface="Times New Roman" pitchFamily="18" charset="0"/>
                 </a:rPr>
                 <a:t>i</a:t>
               </a:r>
               <a:r>
-                <a:rPr lang="en-US" sz="2200" i="1" dirty="0" smtClean="0">
+                <a:rPr lang="en-US" sz="2200" i="1" dirty="0">
                   <a:latin typeface="Times New Roman" pitchFamily="18" charset="0"/>
                   <a:cs typeface="Times New Roman" pitchFamily="18" charset="0"/>
                 </a:rPr>
@@ -3588,7 +3559,7 @@
                 <a:t> </a:t>
               </a:r>
               <a:r>
-                <a:rPr lang="en-US" sz="2200" dirty="0" smtClean="0">
+                <a:rPr lang="en-US" sz="2200" dirty="0">
                   <a:latin typeface="Times New Roman" pitchFamily="18" charset="0"/>
                   <a:cs typeface="Times New Roman" pitchFamily="18" charset="0"/>
                 </a:rPr>
@@ -3608,7 +3579,7 @@
           <p:spPr bwMode="auto">
             <a:xfrm>
               <a:off x="336582" y="3410489"/>
-              <a:ext cx="3425705" cy="361047"/>
+              <a:ext cx="3425705" cy="380004"/>
             </a:xfrm>
             <a:prstGeom prst="rect">
               <a:avLst/>
@@ -3631,28 +3602,28 @@
             <a:p>
               <a:pPr algn="ctr"/>
               <a:r>
-                <a:rPr lang="en-US" sz="2200" i="1" dirty="0" err="1" smtClean="0">
+                <a:rPr lang="en-US" sz="2200" i="1" dirty="0" err="1">
                   <a:latin typeface="Times New Roman" pitchFamily="18" charset="0"/>
                   <a:cs typeface="Times New Roman" pitchFamily="18" charset="0"/>
                 </a:rPr>
                 <a:t>i</a:t>
               </a:r>
               <a:r>
-                <a:rPr lang="en-US" sz="2200" i="1" dirty="0" smtClean="0">
+                <a:rPr lang="en-US" sz="2200" i="1" dirty="0">
                   <a:latin typeface="Times New Roman" pitchFamily="18" charset="0"/>
                   <a:cs typeface="Times New Roman" pitchFamily="18" charset="0"/>
                 </a:rPr>
                 <a:t>' </a:t>
               </a:r>
               <a:r>
-                <a:rPr lang="en-US" sz="2200" dirty="0" smtClean="0">
+                <a:rPr lang="en-US" sz="2200" dirty="0">
                   <a:latin typeface="Times New Roman" pitchFamily="18" charset="0"/>
                   <a:cs typeface="Times New Roman" pitchFamily="18" charset="0"/>
                 </a:rPr>
                 <a:t>:=</a:t>
               </a:r>
               <a:r>
-                <a:rPr lang="en-US" sz="2200" i="1" dirty="0" smtClean="0">
+                <a:rPr lang="en-US" sz="2200" i="1" dirty="0">
                   <a:latin typeface="Times New Roman" pitchFamily="18" charset="0"/>
                   <a:cs typeface="Times New Roman" pitchFamily="18" charset="0"/>
                 </a:rPr>
@@ -3670,14 +3641,7 @@
                   <a:latin typeface="Times New Roman" pitchFamily="18" charset="0"/>
                   <a:cs typeface="Times New Roman" pitchFamily="18" charset="0"/>
                 </a:rPr>
-                <a:t> </a:t>
-              </a:r>
-              <a:r>
-                <a:rPr lang="en-US" sz="2200" i="1" dirty="0" smtClean="0">
-                  <a:latin typeface="Times New Roman" pitchFamily="18" charset="0"/>
-                  <a:cs typeface="Times New Roman" pitchFamily="18" charset="0"/>
-                </a:rPr>
-                <a:t>c</a:t>
+                <a:t> c</a:t>
               </a:r>
             </a:p>
           </p:txBody>
@@ -3693,7 +3657,7 @@
           <p:spPr bwMode="auto">
             <a:xfrm>
               <a:off x="317710" y="382499"/>
-              <a:ext cx="421616" cy="361047"/>
+              <a:ext cx="421616" cy="380004"/>
             </a:xfrm>
             <a:prstGeom prst="rect">
               <a:avLst/>
@@ -3713,7 +3677,7 @@
             <a:lstStyle/>
             <a:p>
               <a:r>
-                <a:rPr lang="en-US" sz="2200" i="1" dirty="0">
+                <a:rPr lang="en-US" sz="2200" dirty="0">
                   <a:latin typeface="Times New Roman" pitchFamily="18" charset="0"/>
                   <a:cs typeface="Times New Roman" pitchFamily="18" charset="0"/>
                 </a:rPr>
@@ -3733,7 +3697,7 @@
           <p:spPr bwMode="auto">
             <a:xfrm>
               <a:off x="302324" y="2208568"/>
-              <a:ext cx="420194" cy="361047"/>
+              <a:ext cx="420194" cy="380004"/>
             </a:xfrm>
             <a:prstGeom prst="rect">
               <a:avLst/>
@@ -3750,13 +3714,20 @@
             <a:bodyPr wrap="square" lIns="36725" tIns="18363" rIns="36725" bIns="18363">
               <a:spAutoFit/>
             </a:bodyPr>
-            <a:lstStyle/>
+            <a:lstStyle>
+              <a:defPPr>
+                <a:defRPr lang="en-US"/>
+              </a:defPPr>
+              <a:lvl1pPr>
+                <a:defRPr sz="2200">
+                  <a:latin typeface="Times New Roman" pitchFamily="18" charset="0"/>
+                  <a:cs typeface="Times New Roman" pitchFamily="18" charset="0"/>
+                </a:defRPr>
+              </a:lvl1pPr>
+            </a:lstStyle>
             <a:p>
               <a:r>
-                <a:rPr lang="en-US" sz="2200" i="1" dirty="0">
-                  <a:latin typeface="Times New Roman" pitchFamily="18" charset="0"/>
-                  <a:cs typeface="Times New Roman" pitchFamily="18" charset="0"/>
-                </a:rPr>
+                <a:rPr lang="en-US" dirty="0"/>
                 <a:t>Y</a:t>
               </a:r>
             </a:p>
@@ -3773,7 +3744,7 @@
           <p:spPr bwMode="auto">
             <a:xfrm>
               <a:off x="294134" y="3050635"/>
-              <a:ext cx="379037" cy="361047"/>
+              <a:ext cx="379037" cy="380004"/>
             </a:xfrm>
             <a:prstGeom prst="rect">
               <a:avLst/>
@@ -3790,13 +3761,20 @@
             <a:bodyPr wrap="square" lIns="36725" tIns="18363" rIns="36725" bIns="18363">
               <a:spAutoFit/>
             </a:bodyPr>
-            <a:lstStyle/>
+            <a:lstStyle>
+              <a:defPPr>
+                <a:defRPr lang="en-US"/>
+              </a:defPPr>
+              <a:lvl1pPr>
+                <a:defRPr sz="2200">
+                  <a:latin typeface="Times New Roman" pitchFamily="18" charset="0"/>
+                  <a:cs typeface="Times New Roman" pitchFamily="18" charset="0"/>
+                </a:defRPr>
+              </a:lvl1pPr>
+            </a:lstStyle>
             <a:p>
               <a:r>
-                <a:rPr lang="en-US" sz="2200" i="1" dirty="0">
-                  <a:latin typeface="Times New Roman" pitchFamily="18" charset="0"/>
-                  <a:cs typeface="Times New Roman" pitchFamily="18" charset="0"/>
-                </a:rPr>
+                <a:rPr lang="en-US" dirty="0"/>
                 <a:t>Z</a:t>
               </a:r>
             </a:p>
@@ -3805,13 +3783,15 @@
         <p:cxnSp>
           <p:nvCxnSpPr>
             <p:cNvPr id="24" name="Straight Arrow Connector 23"/>
-            <p:cNvCxnSpPr/>
+            <p:cNvCxnSpPr>
+              <a:stCxn id="8" idx="2"/>
+            </p:cNvCxnSpPr>
             <p:nvPr/>
           </p:nvCxnSpPr>
           <p:spPr>
-            <a:xfrm rot="5400000">
-              <a:off x="1817569" y="2354486"/>
-              <a:ext cx="463733" cy="1787"/>
+            <a:xfrm flipH="1">
+              <a:off x="2048542" y="2161020"/>
+              <a:ext cx="892" cy="426225"/>
             </a:xfrm>
             <a:prstGeom prst="straightConnector1">
               <a:avLst/>
@@ -3846,7 +3826,7 @@
           </p:nvCxnSpPr>
           <p:spPr>
             <a:xfrm flipH="1" flipV="1">
-              <a:off x="3727536" y="1475490"/>
+              <a:off x="3755495" y="1475490"/>
               <a:ext cx="1054" cy="2116052"/>
             </a:xfrm>
             <a:prstGeom prst="bentConnector3">
@@ -4063,7 +4043,7 @@
         </p:nvSpPr>
         <p:spPr>
           <a:xfrm>
-            <a:off x="83125" y="4173285"/>
+            <a:off x="83125" y="4342799"/>
             <a:ext cx="4114800" cy="769441"/>
           </a:xfrm>
           <a:prstGeom prst="rect">
@@ -4078,22 +4058,26 @@
           <a:lstStyle/>
           <a:p>
             <a:r>
-              <a:rPr lang="en-US" sz="2200" dirty="0" smtClean="0"/>
+              <a:rPr lang="en-US" sz="2200" dirty="0">
+                <a:latin typeface="Times New Roman" panose="02020603050405020304" pitchFamily="18" charset="0"/>
+                <a:cs typeface="Times New Roman" panose="02020603050405020304" pitchFamily="18" charset="0"/>
+              </a:rPr>
               <a:t>Exit condition is true in (k+1)</a:t>
             </a:r>
             <a:r>
-              <a:rPr lang="en-US" sz="2200" dirty="0" err="1" smtClean="0"/>
+              <a:rPr lang="en-US" sz="2200" baseline="30000" dirty="0" err="1">
+                <a:latin typeface="Times New Roman" panose="02020603050405020304" pitchFamily="18" charset="0"/>
+                <a:cs typeface="Times New Roman" panose="02020603050405020304" pitchFamily="18" charset="0"/>
+              </a:rPr>
               <a:t>st</a:t>
             </a:r>
             <a:r>
-              <a:rPr lang="en-US" sz="2200" dirty="0" smtClean="0"/>
-              <a:t> iteration (k&gt;=0)</a:t>
-            </a:r>
-            <a:r>
-              <a:rPr lang="en-US" dirty="0" smtClean="0"/>
-              <a:t> </a:t>
-            </a:r>
-            <a:endParaRPr lang="en-US" dirty="0"/>
+              <a:rPr lang="en-US" sz="2200" dirty="0">
+                <a:latin typeface="Times New Roman" panose="02020603050405020304" pitchFamily="18" charset="0"/>
+                <a:cs typeface="Times New Roman" panose="02020603050405020304" pitchFamily="18" charset="0"/>
+              </a:rPr>
+              <a:t> iteration (k&gt;=0) </a:t>
+            </a:r>
           </a:p>
         </p:txBody>
       </p:sp>
